--- a/WSC67-69_211010.pptx
+++ b/WSC67-69_211010.pptx
@@ -5,7 +5,7 @@
     <p:sldMasterId id="2147483648" r:id="rId1"/>
   </p:sldMasterIdLst>
   <p:notesMasterIdLst>
-    <p:notesMasterId r:id="rId49"/>
+    <p:notesMasterId r:id="rId50"/>
   </p:notesMasterIdLst>
   <p:sldIdLst>
     <p:sldId id="256" r:id="rId2"/>
@@ -35,26 +35,27 @@
     <p:sldId id="449" r:id="rId26"/>
     <p:sldId id="450" r:id="rId27"/>
     <p:sldId id="460" r:id="rId28"/>
-    <p:sldId id="454" r:id="rId29"/>
-    <p:sldId id="451" r:id="rId30"/>
-    <p:sldId id="459" r:id="rId31"/>
-    <p:sldId id="463" r:id="rId32"/>
-    <p:sldId id="462" r:id="rId33"/>
-    <p:sldId id="452" r:id="rId34"/>
-    <p:sldId id="453" r:id="rId35"/>
-    <p:sldId id="455" r:id="rId36"/>
-    <p:sldId id="456" r:id="rId37"/>
-    <p:sldId id="457" r:id="rId38"/>
-    <p:sldId id="458" r:id="rId39"/>
-    <p:sldId id="461" r:id="rId40"/>
-    <p:sldId id="434" r:id="rId41"/>
-    <p:sldId id="437" r:id="rId42"/>
-    <p:sldId id="438" r:id="rId43"/>
-    <p:sldId id="439" r:id="rId44"/>
-    <p:sldId id="441" r:id="rId45"/>
-    <p:sldId id="440" r:id="rId46"/>
-    <p:sldId id="447" r:id="rId47"/>
-    <p:sldId id="464" r:id="rId48"/>
+    <p:sldId id="465" r:id="rId29"/>
+    <p:sldId id="454" r:id="rId30"/>
+    <p:sldId id="451" r:id="rId31"/>
+    <p:sldId id="459" r:id="rId32"/>
+    <p:sldId id="463" r:id="rId33"/>
+    <p:sldId id="462" r:id="rId34"/>
+    <p:sldId id="452" r:id="rId35"/>
+    <p:sldId id="453" r:id="rId36"/>
+    <p:sldId id="455" r:id="rId37"/>
+    <p:sldId id="456" r:id="rId38"/>
+    <p:sldId id="457" r:id="rId39"/>
+    <p:sldId id="458" r:id="rId40"/>
+    <p:sldId id="461" r:id="rId41"/>
+    <p:sldId id="434" r:id="rId42"/>
+    <p:sldId id="437" r:id="rId43"/>
+    <p:sldId id="438" r:id="rId44"/>
+    <p:sldId id="439" r:id="rId45"/>
+    <p:sldId id="441" r:id="rId46"/>
+    <p:sldId id="440" r:id="rId47"/>
+    <p:sldId id="447" r:id="rId48"/>
+    <p:sldId id="464" r:id="rId49"/>
   </p:sldIdLst>
   <p:sldSz cx="12192000" cy="6858000"/>
   <p:notesSz cx="6858000" cy="9144000"/>
@@ -243,7 +244,7 @@
           <a:p>
             <a:fld id="{AF5AD02D-5B64-44C4-B328-4A397A988A49}" type="datetimeFigureOut">
               <a:rPr lang="en-US"/>
-              <a:t>10/16/2021</a:t>
+              <a:t>10/17/2021</a:t>
             </a:fld>
             <a:endParaRPr lang="en-US"/>
           </a:p>
@@ -1155,7 +1156,7 @@
           <a:p>
             <a:fld id="{846CE7D5-CF57-46EF-B807-FDD0502418D4}" type="datetimeFigureOut">
               <a:rPr lang="en-US" smtClean="0"/>
-              <a:t>10/16/2021</a:t>
+              <a:t>10/17/2021</a:t>
             </a:fld>
             <a:endParaRPr lang="en-US"/>
           </a:p>
@@ -1318,7 +1319,7 @@
           <a:p>
             <a:fld id="{846CE7D5-CF57-46EF-B807-FDD0502418D4}" type="datetimeFigureOut">
               <a:rPr lang="en-US" smtClean="0"/>
-              <a:t>10/16/2021</a:t>
+              <a:t>10/17/2021</a:t>
             </a:fld>
             <a:endParaRPr lang="en-US"/>
           </a:p>
@@ -1491,7 +1492,7 @@
           <a:p>
             <a:fld id="{846CE7D5-CF57-46EF-B807-FDD0502418D4}" type="datetimeFigureOut">
               <a:rPr lang="en-US" smtClean="0"/>
-              <a:t>10/16/2021</a:t>
+              <a:t>10/17/2021</a:t>
             </a:fld>
             <a:endParaRPr lang="en-US"/>
           </a:p>
@@ -1654,7 +1655,7 @@
           <a:p>
             <a:fld id="{846CE7D5-CF57-46EF-B807-FDD0502418D4}" type="datetimeFigureOut">
               <a:rPr lang="en-US" smtClean="0"/>
-              <a:t>10/16/2021</a:t>
+              <a:t>10/17/2021</a:t>
             </a:fld>
             <a:endParaRPr lang="en-US"/>
           </a:p>
@@ -1894,7 +1895,7 @@
           <a:p>
             <a:fld id="{846CE7D5-CF57-46EF-B807-FDD0502418D4}" type="datetimeFigureOut">
               <a:rPr lang="en-US" smtClean="0"/>
-              <a:t>10/16/2021</a:t>
+              <a:t>10/17/2021</a:t>
             </a:fld>
             <a:endParaRPr lang="en-US"/>
           </a:p>
@@ -2118,7 +2119,7 @@
           <a:p>
             <a:fld id="{846CE7D5-CF57-46EF-B807-FDD0502418D4}" type="datetimeFigureOut">
               <a:rPr lang="en-US" smtClean="0"/>
-              <a:t>10/16/2021</a:t>
+              <a:t>10/17/2021</a:t>
             </a:fld>
             <a:endParaRPr lang="en-US"/>
           </a:p>
@@ -2477,7 +2478,7 @@
           <a:p>
             <a:fld id="{846CE7D5-CF57-46EF-B807-FDD0502418D4}" type="datetimeFigureOut">
               <a:rPr lang="en-US" smtClean="0"/>
-              <a:t>10/16/2021</a:t>
+              <a:t>10/17/2021</a:t>
             </a:fld>
             <a:endParaRPr lang="en-US"/>
           </a:p>
@@ -2589,7 +2590,7 @@
           <a:p>
             <a:fld id="{846CE7D5-CF57-46EF-B807-FDD0502418D4}" type="datetimeFigureOut">
               <a:rPr lang="en-US" smtClean="0"/>
-              <a:t>10/16/2021</a:t>
+              <a:t>10/17/2021</a:t>
             </a:fld>
             <a:endParaRPr lang="en-US"/>
           </a:p>
@@ -2679,7 +2680,7 @@
           <a:p>
             <a:fld id="{846CE7D5-CF57-46EF-B807-FDD0502418D4}" type="datetimeFigureOut">
               <a:rPr lang="en-US" smtClean="0"/>
-              <a:t>10/16/2021</a:t>
+              <a:t>10/17/2021</a:t>
             </a:fld>
             <a:endParaRPr lang="en-US"/>
           </a:p>
@@ -2949,7 +2950,7 @@
           <a:p>
             <a:fld id="{846CE7D5-CF57-46EF-B807-FDD0502418D4}" type="datetimeFigureOut">
               <a:rPr lang="en-US" smtClean="0"/>
-              <a:t>10/16/2021</a:t>
+              <a:t>10/17/2021</a:t>
             </a:fld>
             <a:endParaRPr lang="en-US"/>
           </a:p>
@@ -3200,7 +3201,7 @@
           <a:p>
             <a:fld id="{846CE7D5-CF57-46EF-B807-FDD0502418D4}" type="datetimeFigureOut">
               <a:rPr lang="en-US" smtClean="0"/>
-              <a:t>10/16/2021</a:t>
+              <a:t>10/17/2021</a:t>
             </a:fld>
             <a:endParaRPr lang="en-US"/>
           </a:p>
@@ -3406,7 +3407,7 @@
           <a:p>
             <a:fld id="{846CE7D5-CF57-46EF-B807-FDD0502418D4}" type="datetimeFigureOut">
               <a:rPr lang="en-US" smtClean="0"/>
-              <a:t>10/16/2021</a:t>
+              <a:t>10/17/2021</a:t>
             </a:fld>
             <a:endParaRPr lang="en-US"/>
           </a:p>
@@ -4024,7 +4025,7 @@
               <a:rPr lang="en-US" dirty="0">
                 <a:cs typeface="Calibri" panose="020F0502020204030204"/>
               </a:rPr>
-              <a:t>October 10, 2021</a:t>
+              <a:t>October 17, 2021</a:t>
             </a:r>
           </a:p>
           <a:p>
@@ -6501,8 +6502,8 @@
         </p:nvSpPr>
         <p:spPr>
           <a:xfrm>
-            <a:off x="1571445" y="1854380"/>
-            <a:ext cx="9221639" cy="4322583"/>
+            <a:off x="956603" y="1854380"/>
+            <a:ext cx="9836481" cy="4322583"/>
           </a:xfrm>
         </p:spPr>
         <p:txBody>
@@ -6589,7 +6590,7 @@
 </file>
 
 <file path=ppt/slides/slide21.xml><?xml version="1.0" encoding="utf-8"?>
-<p:sld xmlns:a="http://schemas.openxmlformats.org/drawingml/2006/main" xmlns:r="http://schemas.openxmlformats.org/officeDocument/2006/relationships" xmlns:p="http://schemas.openxmlformats.org/presentationml/2006/main">
+<p:sld xmlns:a="http://schemas.openxmlformats.org/drawingml/2006/main" xmlns:r="http://schemas.openxmlformats.org/officeDocument/2006/relationships" xmlns:p="http://schemas.openxmlformats.org/presentationml/2006/main" show="0">
   <p:cSld>
     <p:spTree>
       <p:nvGrpSpPr>
@@ -7060,11 +7061,11 @@
           <a:p>
             <a:r>
               <a:rPr lang="en-US" dirty="0"/>
-              <a:t>Sober use of meat, drink, </a:t>
-            </a:r>
-            <a:r>
-              <a:rPr lang="en-US" dirty="0" err="1"/>
-              <a:t>phsyick</a:t>
+              <a:t>Sober use of meat, drink</a:t>
+            </a:r>
+            <a:r>
+              <a:rPr lang="en-US"/>
+              <a:t>, physick</a:t>
             </a:r>
             <a:r>
               <a:rPr lang="en-US" dirty="0"/>
@@ -8939,7 +8940,7 @@
 </file>
 
 <file path=ppt/slides/slide24.xml><?xml version="1.0" encoding="utf-8"?>
-<p:sld xmlns:a="http://schemas.openxmlformats.org/drawingml/2006/main" xmlns:r="http://schemas.openxmlformats.org/officeDocument/2006/relationships" xmlns:p="http://schemas.openxmlformats.org/presentationml/2006/main">
+<p:sld xmlns:a="http://schemas.openxmlformats.org/drawingml/2006/main" xmlns:r="http://schemas.openxmlformats.org/officeDocument/2006/relationships" xmlns:p="http://schemas.openxmlformats.org/presentationml/2006/main" show="0">
   <p:cSld>
     <p:spTree>
       <p:nvGrpSpPr>
@@ -9660,18 +9661,6 @@
               <a:t>Zero sum game: either you or the attacker dies. You choose who dies. Lesser of two evils</a:t>
             </a:r>
           </a:p>
-          <a:p>
-            <a:r>
-              <a:rPr lang="en-US" sz="2700" dirty="0"/>
-              <a:t>God commanded Abraham to sacrifice his son, Isaac (Genesis 22:1-19)</a:t>
-            </a:r>
-          </a:p>
-          <a:p>
-            <a:r>
-              <a:rPr lang="en-US" dirty="0"/>
-              <a:t>Jephthah sacrifices his own daughter as a part of the vow he made to God (Judges 11:29-40)</a:t>
-            </a:r>
-          </a:p>
         </p:txBody>
       </p:sp>
     </p:spTree>
@@ -9839,104 +9828,6 @@
                       </p:childTnLst>
                     </p:cTn>
                   </p:par>
-                  <p:par>
-                    <p:cTn id="15" fill="hold">
-                      <p:stCondLst>
-                        <p:cond delay="indefinite"/>
-                      </p:stCondLst>
-                      <p:childTnLst>
-                        <p:par>
-                          <p:cTn id="16" fill="hold">
-                            <p:stCondLst>
-                              <p:cond delay="0"/>
-                            </p:stCondLst>
-                            <p:childTnLst>
-                              <p:par>
-                                <p:cTn id="17" presetID="1" presetClass="entr" presetSubtype="0" fill="hold" nodeType="clickEffect">
-                                  <p:stCondLst>
-                                    <p:cond delay="0"/>
-                                  </p:stCondLst>
-                                  <p:childTnLst>
-                                    <p:set>
-                                      <p:cBhvr>
-                                        <p:cTn id="18" dur="1" fill="hold">
-                                          <p:stCondLst>
-                                            <p:cond delay="0"/>
-                                          </p:stCondLst>
-                                        </p:cTn>
-                                        <p:tgtEl>
-                                          <p:spTgt spid="3">
-                                            <p:txEl>
-                                              <p:pRg st="3" end="3"/>
-                                            </p:txEl>
-                                          </p:spTgt>
-                                        </p:tgtEl>
-                                        <p:attrNameLst>
-                                          <p:attrName>style.visibility</p:attrName>
-                                        </p:attrNameLst>
-                                      </p:cBhvr>
-                                      <p:to>
-                                        <p:strVal val="visible"/>
-                                      </p:to>
-                                    </p:set>
-                                  </p:childTnLst>
-                                </p:cTn>
-                              </p:par>
-                            </p:childTnLst>
-                          </p:cTn>
-                        </p:par>
-                      </p:childTnLst>
-                    </p:cTn>
-                  </p:par>
-                  <p:par>
-                    <p:cTn id="19" fill="hold">
-                      <p:stCondLst>
-                        <p:cond delay="indefinite"/>
-                      </p:stCondLst>
-                      <p:childTnLst>
-                        <p:par>
-                          <p:cTn id="20" fill="hold">
-                            <p:stCondLst>
-                              <p:cond delay="0"/>
-                            </p:stCondLst>
-                            <p:childTnLst>
-                              <p:par>
-                                <p:cTn id="21" presetID="1" presetClass="entr" presetSubtype="0" fill="hold" nodeType="clickEffect">
-                                  <p:stCondLst>
-                                    <p:cond delay="0"/>
-                                  </p:stCondLst>
-                                  <p:childTnLst>
-                                    <p:set>
-                                      <p:cBhvr>
-                                        <p:cTn id="22" dur="1" fill="hold">
-                                          <p:stCondLst>
-                                            <p:cond delay="0"/>
-                                          </p:stCondLst>
-                                        </p:cTn>
-                                        <p:tgtEl>
-                                          <p:spTgt spid="3">
-                                            <p:txEl>
-                                              <p:pRg st="4" end="4"/>
-                                            </p:txEl>
-                                          </p:spTgt>
-                                        </p:tgtEl>
-                                        <p:attrNameLst>
-                                          <p:attrName>style.visibility</p:attrName>
-                                        </p:attrNameLst>
-                                      </p:cBhvr>
-                                      <p:to>
-                                        <p:strVal val="visible"/>
-                                      </p:to>
-                                    </p:set>
-                                  </p:childTnLst>
-                                </p:cTn>
-                              </p:par>
-                            </p:childTnLst>
-                          </p:cTn>
-                        </p:par>
-                      </p:childTnLst>
-                    </p:cTn>
-                  </p:par>
                 </p:childTnLst>
               </p:cTn>
               <p:prevCondLst>
@@ -10059,6 +9950,13 @@
             </a:r>
           </a:p>
           <a:p>
+            <a:pPr lvl="1"/>
+            <a:r>
+              <a:rPr lang="en-US" dirty="0"/>
+              <a:t>(This is the law at least in Nebraska)</a:t>
+            </a:r>
+          </a:p>
+          <a:p>
             <a:endParaRPr lang="en-US" dirty="0"/>
           </a:p>
         </p:txBody>
@@ -10077,6 +9975,102 @@
 </file>
 
 <file path=ppt/slides/slide28.xml><?xml version="1.0" encoding="utf-8"?>
+<p:sld xmlns:a="http://schemas.openxmlformats.org/drawingml/2006/main" xmlns:r="http://schemas.openxmlformats.org/officeDocument/2006/relationships" xmlns:p="http://schemas.openxmlformats.org/presentationml/2006/main">
+  <p:cSld>
+    <p:spTree>
+      <p:nvGrpSpPr>
+        <p:cNvPr id="1" name=""/>
+        <p:cNvGrpSpPr/>
+        <p:nvPr/>
+      </p:nvGrpSpPr>
+      <p:grpSpPr>
+        <a:xfrm>
+          <a:off x="0" y="0"/>
+          <a:ext cx="0" cy="0"/>
+          <a:chOff x="0" y="0"/>
+          <a:chExt cx="0" cy="0"/>
+        </a:xfrm>
+      </p:grpSpPr>
+      <p:sp>
+        <p:nvSpPr>
+          <p:cNvPr id="2" name="Title 1">
+            <a:extLst>
+              <a:ext uri="{FF2B5EF4-FFF2-40B4-BE49-F238E27FC236}">
+                <a16:creationId xmlns:a16="http://schemas.microsoft.com/office/drawing/2014/main" id="{8A3A40BE-1848-4E91-8FD8-C5E77405EF0B}"/>
+              </a:ext>
+            </a:extLst>
+          </p:cNvPr>
+          <p:cNvSpPr>
+            <a:spLocks noGrp="1"/>
+          </p:cNvSpPr>
+          <p:nvPr>
+            <p:ph type="title"/>
+          </p:nvPr>
+        </p:nvSpPr>
+        <p:spPr/>
+        <p:txBody>
+          <a:bodyPr/>
+          <a:lstStyle/>
+          <a:p>
+            <a:pPr algn="ctr"/>
+            <a:r>
+              <a:rPr lang="en-US" dirty="0"/>
+              <a:t>Not all taking of life is murder</a:t>
+            </a:r>
+          </a:p>
+        </p:txBody>
+      </p:sp>
+      <p:sp>
+        <p:nvSpPr>
+          <p:cNvPr id="3" name="Content Placeholder 2">
+            <a:extLst>
+              <a:ext uri="{FF2B5EF4-FFF2-40B4-BE49-F238E27FC236}">
+                <a16:creationId xmlns:a16="http://schemas.microsoft.com/office/drawing/2014/main" id="{D3649082-DDB6-4804-811F-AEEA88827CA2}"/>
+              </a:ext>
+            </a:extLst>
+          </p:cNvPr>
+          <p:cNvSpPr>
+            <a:spLocks noGrp="1"/>
+          </p:cNvSpPr>
+          <p:nvPr>
+            <p:ph idx="1"/>
+          </p:nvPr>
+        </p:nvSpPr>
+        <p:spPr/>
+        <p:txBody>
+          <a:bodyPr/>
+          <a:lstStyle/>
+          <a:p>
+            <a:r>
+              <a:rPr lang="en-US" sz="2700" dirty="0"/>
+              <a:t>God commanded Abraham to sacrifice his son, Isaac (Genesis 22:1-19)</a:t>
+            </a:r>
+          </a:p>
+          <a:p>
+            <a:r>
+              <a:rPr lang="en-US" dirty="0"/>
+              <a:t>Jephthah sacrifices his own daughter as a part of the vow he made to God (Judges 11:29-40)</a:t>
+            </a:r>
+          </a:p>
+          <a:p>
+            <a:endParaRPr lang="en-US" dirty="0"/>
+          </a:p>
+        </p:txBody>
+      </p:sp>
+    </p:spTree>
+    <p:extLst>
+      <p:ext uri="{BB962C8B-B14F-4D97-AF65-F5344CB8AC3E}">
+        <p14:creationId xmlns:p14="http://schemas.microsoft.com/office/powerpoint/2010/main" val="2605370315"/>
+      </p:ext>
+    </p:extLst>
+  </p:cSld>
+  <p:clrMapOvr>
+    <a:masterClrMapping/>
+  </p:clrMapOvr>
+</p:sld>
+</file>
+
+<file path=ppt/slides/slide29.xml><?xml version="1.0" encoding="utf-8"?>
 <p:sld xmlns:a="http://schemas.openxmlformats.org/drawingml/2006/main" xmlns:r="http://schemas.openxmlformats.org/officeDocument/2006/relationships" xmlns:p="http://schemas.openxmlformats.org/presentationml/2006/main">
   <p:cSld>
     <p:spTree>
@@ -10446,113 +10440,6 @@
 </p:sld>
 </file>
 
-<file path=ppt/slides/slide29.xml><?xml version="1.0" encoding="utf-8"?>
-<p:sld xmlns:a="http://schemas.openxmlformats.org/drawingml/2006/main" xmlns:r="http://schemas.openxmlformats.org/officeDocument/2006/relationships" xmlns:p="http://schemas.openxmlformats.org/presentationml/2006/main">
-  <p:cSld>
-    <p:spTree>
-      <p:nvGrpSpPr>
-        <p:cNvPr id="1" name=""/>
-        <p:cNvGrpSpPr/>
-        <p:nvPr/>
-      </p:nvGrpSpPr>
-      <p:grpSpPr>
-        <a:xfrm>
-          <a:off x="0" y="0"/>
-          <a:ext cx="0" cy="0"/>
-          <a:chOff x="0" y="0"/>
-          <a:chExt cx="0" cy="0"/>
-        </a:xfrm>
-      </p:grpSpPr>
-      <p:sp>
-        <p:nvSpPr>
-          <p:cNvPr id="2" name="Title 1">
-            <a:extLst>
-              <a:ext uri="{FF2B5EF4-FFF2-40B4-BE49-F238E27FC236}">
-                <a16:creationId xmlns:a16="http://schemas.microsoft.com/office/drawing/2014/main" id="{8406D54B-F33F-48C6-A513-A358BB0E73BD}"/>
-              </a:ext>
-            </a:extLst>
-          </p:cNvPr>
-          <p:cNvSpPr>
-            <a:spLocks noGrp="1"/>
-          </p:cNvSpPr>
-          <p:nvPr>
-            <p:ph type="title"/>
-          </p:nvPr>
-        </p:nvSpPr>
-        <p:spPr/>
-        <p:txBody>
-          <a:bodyPr/>
-          <a:lstStyle/>
-          <a:p>
-            <a:pPr algn="ctr"/>
-            <a:r>
-              <a:rPr lang="en-US" dirty="0"/>
-              <a:t>Animal control laws</a:t>
-            </a:r>
-          </a:p>
-        </p:txBody>
-      </p:sp>
-      <p:sp>
-        <p:nvSpPr>
-          <p:cNvPr id="3" name="Content Placeholder 2">
-            <a:extLst>
-              <a:ext uri="{FF2B5EF4-FFF2-40B4-BE49-F238E27FC236}">
-                <a16:creationId xmlns:a16="http://schemas.microsoft.com/office/drawing/2014/main" id="{F610B9F4-0CF5-48BB-B3A6-0866BC4A99E0}"/>
-              </a:ext>
-            </a:extLst>
-          </p:cNvPr>
-          <p:cNvSpPr>
-            <a:spLocks noGrp="1"/>
-          </p:cNvSpPr>
-          <p:nvPr>
-            <p:ph idx="1"/>
-          </p:nvPr>
-        </p:nvSpPr>
-        <p:spPr/>
-        <p:txBody>
-          <a:bodyPr/>
-          <a:lstStyle/>
-          <a:p>
-            <a:r>
-              <a:rPr lang="en-US" dirty="0"/>
-              <a:t>“If an ox gores a man or a woman to death, then the ox shall surely be stoned, and its flesh shall not be eaten; but the owner of the ox shall be acquitted. But if the ox tended to thrust with its horn in times past, and it has been made known to his owner, and he has not kept it confined, so that it has killed a man or a woman, the ox shall be stoned </a:t>
-            </a:r>
-            <a:r>
-              <a:rPr lang="en-US" b="1" dirty="0"/>
-              <a:t>and its owner also shall be put to death</a:t>
-            </a:r>
-            <a:r>
-              <a:rPr lang="en-US" dirty="0"/>
-              <a:t>.” (Exodus 21:28-30)</a:t>
-            </a:r>
-          </a:p>
-          <a:p>
-            <a:r>
-              <a:rPr lang="en-US" dirty="0"/>
-              <a:t>Negligence resulting in the death of other people</a:t>
-            </a:r>
-          </a:p>
-          <a:p>
-            <a:r>
-              <a:rPr lang="en-US" dirty="0"/>
-              <a:t>We have to be careful of other people as well!</a:t>
-            </a:r>
-          </a:p>
-        </p:txBody>
-      </p:sp>
-    </p:spTree>
-    <p:extLst>
-      <p:ext uri="{BB962C8B-B14F-4D97-AF65-F5344CB8AC3E}">
-        <p14:creationId xmlns:p14="http://schemas.microsoft.com/office/powerpoint/2010/main" val="135835746"/>
-      </p:ext>
-    </p:extLst>
-  </p:cSld>
-  <p:clrMapOvr>
-    <a:masterClrMapping/>
-  </p:clrMapOvr>
-</p:sld>
-</file>
-
 <file path=ppt/slides/slide3.xml><?xml version="1.0" encoding="utf-8"?>
 <p:sld xmlns:a="http://schemas.openxmlformats.org/drawingml/2006/main" xmlns:r="http://schemas.openxmlformats.org/officeDocument/2006/relationships" xmlns:p="http://schemas.openxmlformats.org/presentationml/2006/main">
   <p:cSld>
@@ -10682,6 +10569,113 @@
           <p:cNvPr id="2" name="Title 1">
             <a:extLst>
               <a:ext uri="{FF2B5EF4-FFF2-40B4-BE49-F238E27FC236}">
+                <a16:creationId xmlns:a16="http://schemas.microsoft.com/office/drawing/2014/main" id="{8406D54B-F33F-48C6-A513-A358BB0E73BD}"/>
+              </a:ext>
+            </a:extLst>
+          </p:cNvPr>
+          <p:cNvSpPr>
+            <a:spLocks noGrp="1"/>
+          </p:cNvSpPr>
+          <p:nvPr>
+            <p:ph type="title"/>
+          </p:nvPr>
+        </p:nvSpPr>
+        <p:spPr/>
+        <p:txBody>
+          <a:bodyPr/>
+          <a:lstStyle/>
+          <a:p>
+            <a:pPr algn="ctr"/>
+            <a:r>
+              <a:rPr lang="en-US" dirty="0"/>
+              <a:t>Animal control laws</a:t>
+            </a:r>
+          </a:p>
+        </p:txBody>
+      </p:sp>
+      <p:sp>
+        <p:nvSpPr>
+          <p:cNvPr id="3" name="Content Placeholder 2">
+            <a:extLst>
+              <a:ext uri="{FF2B5EF4-FFF2-40B4-BE49-F238E27FC236}">
+                <a16:creationId xmlns:a16="http://schemas.microsoft.com/office/drawing/2014/main" id="{F610B9F4-0CF5-48BB-B3A6-0866BC4A99E0}"/>
+              </a:ext>
+            </a:extLst>
+          </p:cNvPr>
+          <p:cNvSpPr>
+            <a:spLocks noGrp="1"/>
+          </p:cNvSpPr>
+          <p:nvPr>
+            <p:ph idx="1"/>
+          </p:nvPr>
+        </p:nvSpPr>
+        <p:spPr/>
+        <p:txBody>
+          <a:bodyPr/>
+          <a:lstStyle/>
+          <a:p>
+            <a:r>
+              <a:rPr lang="en-US" dirty="0"/>
+              <a:t>“If an ox gores a man or a woman to death, then the ox shall surely be stoned, and its flesh shall not be eaten; but the owner of the ox shall be acquitted. But if the ox tended to thrust with its horn in times past, and it has been made known to his owner, and he has not kept it confined, so that it has killed a man or a woman, the ox shall be stoned </a:t>
+            </a:r>
+            <a:r>
+              <a:rPr lang="en-US" b="1" dirty="0"/>
+              <a:t>and its owner also shall be put to death</a:t>
+            </a:r>
+            <a:r>
+              <a:rPr lang="en-US" dirty="0"/>
+              <a:t>.” (Exodus 21:28-30)</a:t>
+            </a:r>
+          </a:p>
+          <a:p>
+            <a:r>
+              <a:rPr lang="en-US" dirty="0"/>
+              <a:t>Negligence resulting in the death of other people</a:t>
+            </a:r>
+          </a:p>
+          <a:p>
+            <a:r>
+              <a:rPr lang="en-US" dirty="0"/>
+              <a:t>We have to be careful of other people as well!</a:t>
+            </a:r>
+          </a:p>
+        </p:txBody>
+      </p:sp>
+    </p:spTree>
+    <p:extLst>
+      <p:ext uri="{BB962C8B-B14F-4D97-AF65-F5344CB8AC3E}">
+        <p14:creationId xmlns:p14="http://schemas.microsoft.com/office/powerpoint/2010/main" val="135835746"/>
+      </p:ext>
+    </p:extLst>
+  </p:cSld>
+  <p:clrMapOvr>
+    <a:masterClrMapping/>
+  </p:clrMapOvr>
+</p:sld>
+</file>
+
+<file path=ppt/slides/slide31.xml><?xml version="1.0" encoding="utf-8"?>
+<p:sld xmlns:a="http://schemas.openxmlformats.org/drawingml/2006/main" xmlns:r="http://schemas.openxmlformats.org/officeDocument/2006/relationships" xmlns:p="http://schemas.openxmlformats.org/presentationml/2006/main">
+  <p:cSld>
+    <p:spTree>
+      <p:nvGrpSpPr>
+        <p:cNvPr id="1" name=""/>
+        <p:cNvGrpSpPr/>
+        <p:nvPr/>
+      </p:nvGrpSpPr>
+      <p:grpSpPr>
+        <a:xfrm>
+          <a:off x="0" y="0"/>
+          <a:ext cx="0" cy="0"/>
+          <a:chOff x="0" y="0"/>
+          <a:chExt cx="0" cy="0"/>
+        </a:xfrm>
+      </p:grpSpPr>
+      <p:sp>
+        <p:nvSpPr>
+          <p:cNvPr id="2" name="Title 1">
+            <a:extLst>
+              <a:ext uri="{FF2B5EF4-FFF2-40B4-BE49-F238E27FC236}">
                 <a16:creationId xmlns:a16="http://schemas.microsoft.com/office/drawing/2014/main" id="{858B2A30-31B8-4979-8665-382DA0D7F1A1}"/>
               </a:ext>
             </a:extLst>
@@ -10751,6 +10745,20 @@
             </a:r>
           </a:p>
           <a:p>
+            <a:pPr lvl="1"/>
+            <a:r>
+              <a:rPr lang="en-US" dirty="0"/>
+              <a:t>De civitas Dei is mandatory reading for next week </a:t>
+            </a:r>
+            <a:r>
+              <a:rPr lang="en-US" dirty="0">
+                <a:sym typeface="Wingdings" panose="05000000000000000000" pitchFamily="2" charset="2"/>
+              </a:rPr>
+              <a:t></a:t>
+            </a:r>
+            <a:endParaRPr lang="en-US" dirty="0"/>
+          </a:p>
+          <a:p>
             <a:r>
               <a:rPr lang="en-US" dirty="0"/>
               <a:t>It means you have no courage or strength to overcome hardships or wrongdoing</a:t>
@@ -10759,20 +10767,13 @@
           <a:p>
             <a:r>
               <a:rPr lang="en-US" dirty="0"/>
-              <a:t>Indirectly you are saying that God has no ability to help you</a:t>
-            </a:r>
-          </a:p>
-          <a:p>
-            <a:r>
-              <a:rPr lang="en-US" b="1" dirty="0"/>
-              <a:t>Q: What about suicide to avoid falling into the enemies’ hands?</a:t>
-            </a:r>
-          </a:p>
-          <a:p>
-            <a:r>
-              <a:rPr lang="en-US" dirty="0"/>
-              <a:t>“When they persecute you in this city, flee to another. For assuredly, I say to you, you will not have gone through the cities of Israel before the Son of Man comes.” (Matthew 10:23)</a:t>
-            </a:r>
+              <a:t>Indirectly you are saying that God has no ability to </a:t>
+            </a:r>
+            <a:r>
+              <a:rPr lang="en-US"/>
+              <a:t>help you</a:t>
+            </a:r>
+            <a:endParaRPr lang="en-US" dirty="0"/>
           </a:p>
         </p:txBody>
       </p:sp>
@@ -10837,15 +10838,33 @@
                                   </p:childTnLst>
                                 </p:cTn>
                               </p:par>
+                            </p:childTnLst>
+                          </p:cTn>
+                        </p:par>
+                      </p:childTnLst>
+                    </p:cTn>
+                  </p:par>
+                  <p:par>
+                    <p:cTn id="7" fill="hold">
+                      <p:stCondLst>
+                        <p:cond delay="indefinite"/>
+                      </p:stCondLst>
+                      <p:childTnLst>
+                        <p:par>
+                          <p:cTn id="8" fill="hold">
+                            <p:stCondLst>
+                              <p:cond delay="0"/>
+                            </p:stCondLst>
+                            <p:childTnLst>
                               <p:par>
-                                <p:cTn id="7" presetID="1" presetClass="entr" presetSubtype="0" fill="hold" nodeType="withEffect">
+                                <p:cTn id="9" presetID="1" presetClass="entr" presetSubtype="0" fill="hold" nodeType="clickEffect">
                                   <p:stCondLst>
                                     <p:cond delay="0"/>
                                   </p:stCondLst>
                                   <p:childTnLst>
                                     <p:set>
                                       <p:cBhvr>
-                                        <p:cTn id="8" dur="1" fill="hold">
+                                        <p:cTn id="10" dur="1" fill="hold">
                                           <p:stCondLst>
                                             <p:cond delay="0"/>
                                           </p:stCondLst>
@@ -10868,26 +10887,8 @@
                                   </p:childTnLst>
                                 </p:cTn>
                               </p:par>
-                            </p:childTnLst>
-                          </p:cTn>
-                        </p:par>
-                      </p:childTnLst>
-                    </p:cTn>
-                  </p:par>
-                  <p:par>
-                    <p:cTn id="9" fill="hold">
-                      <p:stCondLst>
-                        <p:cond delay="indefinite"/>
-                      </p:stCondLst>
-                      <p:childTnLst>
-                        <p:par>
-                          <p:cTn id="10" fill="hold">
-                            <p:stCondLst>
-                              <p:cond delay="0"/>
-                            </p:stCondLst>
-                            <p:childTnLst>
                               <p:par>
-                                <p:cTn id="11" presetID="1" presetClass="entr" presetSubtype="0" fill="hold" nodeType="clickEffect">
+                                <p:cTn id="11" presetID="1" presetClass="entr" presetSubtype="0" fill="hold" nodeType="withEffect">
                                   <p:stCondLst>
                                     <p:cond delay="0"/>
                                   </p:stCondLst>
@@ -10903,55 +10904,6 @@
                                           <p:spTgt spid="3">
                                             <p:txEl>
                                               <p:pRg st="3" end="3"/>
-                                            </p:txEl>
-                                          </p:spTgt>
-                                        </p:tgtEl>
-                                        <p:attrNameLst>
-                                          <p:attrName>style.visibility</p:attrName>
-                                        </p:attrNameLst>
-                                      </p:cBhvr>
-                                      <p:to>
-                                        <p:strVal val="visible"/>
-                                      </p:to>
-                                    </p:set>
-                                  </p:childTnLst>
-                                </p:cTn>
-                              </p:par>
-                            </p:childTnLst>
-                          </p:cTn>
-                        </p:par>
-                      </p:childTnLst>
-                    </p:cTn>
-                  </p:par>
-                  <p:par>
-                    <p:cTn id="13" fill="hold">
-                      <p:stCondLst>
-                        <p:cond delay="indefinite"/>
-                      </p:stCondLst>
-                      <p:childTnLst>
-                        <p:par>
-                          <p:cTn id="14" fill="hold">
-                            <p:stCondLst>
-                              <p:cond delay="0"/>
-                            </p:stCondLst>
-                            <p:childTnLst>
-                              <p:par>
-                                <p:cTn id="15" presetID="1" presetClass="entr" presetSubtype="0" fill="hold" nodeType="clickEffect">
-                                  <p:stCondLst>
-                                    <p:cond delay="0"/>
-                                  </p:stCondLst>
-                                  <p:childTnLst>
-                                    <p:set>
-                                      <p:cBhvr>
-                                        <p:cTn id="16" dur="1" fill="hold">
-                                          <p:stCondLst>
-                                            <p:cond delay="0"/>
-                                          </p:stCondLst>
-                                        </p:cTn>
-                                        <p:tgtEl>
-                                          <p:spTgt spid="3">
-                                            <p:txEl>
-                                              <p:pRg st="4" end="4"/>
                                             </p:txEl>
                                           </p:spTgt>
                                         </p:tgtEl>
@@ -10997,7 +10949,7 @@
 </p:sld>
 </file>
 
-<file path=ppt/slides/slide31.xml><?xml version="1.0" encoding="utf-8"?>
+<file path=ppt/slides/slide32.xml><?xml version="1.0" encoding="utf-8"?>
 <p:sld xmlns:a="http://schemas.openxmlformats.org/drawingml/2006/main" xmlns:r="http://schemas.openxmlformats.org/officeDocument/2006/relationships" xmlns:p="http://schemas.openxmlformats.org/presentationml/2006/main">
   <p:cSld>
     <p:spTree>
@@ -11076,8 +11028,13 @@
           <a:p>
             <a:r>
               <a:rPr lang="en-US" dirty="0"/>
-              <a:t>There is no positive example of suicide being good.</a:t>
-            </a:r>
+              <a:t>There is no positive example of suicide </a:t>
+            </a:r>
+            <a:r>
+              <a:rPr lang="en-US"/>
+              <a:t>in the Bible.</a:t>
+            </a:r>
+            <a:endParaRPr lang="en-US" dirty="0"/>
           </a:p>
           <a:p>
             <a:r>
@@ -11259,7 +11216,7 @@
 </p:sld>
 </file>
 
-<file path=ppt/slides/slide32.xml><?xml version="1.0" encoding="utf-8"?>
+<file path=ppt/slides/slide33.xml><?xml version="1.0" encoding="utf-8"?>
 <p:sld xmlns:a="http://schemas.openxmlformats.org/drawingml/2006/main" xmlns:r="http://schemas.openxmlformats.org/officeDocument/2006/relationships" xmlns:p="http://schemas.openxmlformats.org/presentationml/2006/main">
   <p:cSld>
     <p:spTree>
@@ -11586,7 +11543,7 @@
 </p:sld>
 </file>
 
-<file path=ppt/slides/slide33.xml><?xml version="1.0" encoding="utf-8"?>
+<file path=ppt/slides/slide34.xml><?xml version="1.0" encoding="utf-8"?>
 <p:sld xmlns:a="http://schemas.openxmlformats.org/drawingml/2006/main" xmlns:r="http://schemas.openxmlformats.org/officeDocument/2006/relationships" xmlns:p="http://schemas.openxmlformats.org/presentationml/2006/main">
   <p:cSld>
     <p:spTree>
@@ -11674,7 +11631,7 @@
 </p:sld>
 </file>
 
-<file path=ppt/slides/slide34.xml><?xml version="1.0" encoding="utf-8"?>
+<file path=ppt/slides/slide35.xml><?xml version="1.0" encoding="utf-8"?>
 <p:sld xmlns:a="http://schemas.openxmlformats.org/drawingml/2006/main" xmlns:r="http://schemas.openxmlformats.org/officeDocument/2006/relationships" xmlns:p="http://schemas.openxmlformats.org/presentationml/2006/main">
   <p:cSld>
     <p:spTree>
@@ -11813,7 +11770,7 @@
 </p:sld>
 </file>
 
-<file path=ppt/slides/slide35.xml><?xml version="1.0" encoding="utf-8"?>
+<file path=ppt/slides/slide36.xml><?xml version="1.0" encoding="utf-8"?>
 <p:sld xmlns:a="http://schemas.openxmlformats.org/drawingml/2006/main" xmlns:r="http://schemas.openxmlformats.org/officeDocument/2006/relationships" xmlns:p="http://schemas.openxmlformats.org/presentationml/2006/main">
   <p:cSld>
     <p:spTree>
@@ -11879,7 +11836,7 @@
 </p:sld>
 </file>
 
-<file path=ppt/slides/slide36.xml><?xml version="1.0" encoding="utf-8"?>
+<file path=ppt/slides/slide37.xml><?xml version="1.0" encoding="utf-8"?>
 <p:sld xmlns:a="http://schemas.openxmlformats.org/drawingml/2006/main" xmlns:r="http://schemas.openxmlformats.org/officeDocument/2006/relationships" xmlns:p="http://schemas.openxmlformats.org/presentationml/2006/main">
   <p:cSld>
     <p:spTree>
@@ -12148,7 +12105,7 @@
 </p:sld>
 </file>
 
-<file path=ppt/slides/slide37.xml><?xml version="1.0" encoding="utf-8"?>
+<file path=ppt/slides/slide38.xml><?xml version="1.0" encoding="utf-8"?>
 <p:sld xmlns:a="http://schemas.openxmlformats.org/drawingml/2006/main" xmlns:r="http://schemas.openxmlformats.org/officeDocument/2006/relationships" xmlns:p="http://schemas.openxmlformats.org/presentationml/2006/main">
   <p:cSld>
     <p:spTree>
@@ -12425,7 +12382,7 @@
 </p:sld>
 </file>
 
-<file path=ppt/slides/slide38.xml><?xml version="1.0" encoding="utf-8"?>
+<file path=ppt/slides/slide39.xml><?xml version="1.0" encoding="utf-8"?>
 <p:sld xmlns:a="http://schemas.openxmlformats.org/drawingml/2006/main" xmlns:r="http://schemas.openxmlformats.org/officeDocument/2006/relationships" xmlns:p="http://schemas.openxmlformats.org/presentationml/2006/main">
   <p:cSld>
     <p:spTree>
@@ -12696,301 +12653,6 @@
                                           <p:spTgt spid="3">
                                             <p:txEl>
                                               <p:pRg st="7" end="7"/>
-                                            </p:txEl>
-                                          </p:spTgt>
-                                        </p:tgtEl>
-                                        <p:attrNameLst>
-                                          <p:attrName>style.visibility</p:attrName>
-                                        </p:attrNameLst>
-                                      </p:cBhvr>
-                                      <p:to>
-                                        <p:strVal val="visible"/>
-                                      </p:to>
-                                    </p:set>
-                                  </p:childTnLst>
-                                </p:cTn>
-                              </p:par>
-                            </p:childTnLst>
-                          </p:cTn>
-                        </p:par>
-                      </p:childTnLst>
-                    </p:cTn>
-                  </p:par>
-                </p:childTnLst>
-              </p:cTn>
-              <p:prevCondLst>
-                <p:cond evt="onPrev" delay="0">
-                  <p:tgtEl>
-                    <p:sldTgt/>
-                  </p:tgtEl>
-                </p:cond>
-              </p:prevCondLst>
-              <p:nextCondLst>
-                <p:cond evt="onNext" delay="0">
-                  <p:tgtEl>
-                    <p:sldTgt/>
-                  </p:tgtEl>
-                </p:cond>
-              </p:nextCondLst>
-            </p:seq>
-          </p:childTnLst>
-        </p:cTn>
-      </p:par>
-    </p:tnLst>
-  </p:timing>
-</p:sld>
-</file>
-
-<file path=ppt/slides/slide39.xml><?xml version="1.0" encoding="utf-8"?>
-<p:sld xmlns:a="http://schemas.openxmlformats.org/drawingml/2006/main" xmlns:r="http://schemas.openxmlformats.org/officeDocument/2006/relationships" xmlns:p="http://schemas.openxmlformats.org/presentationml/2006/main">
-  <p:cSld>
-    <p:spTree>
-      <p:nvGrpSpPr>
-        <p:cNvPr id="1" name=""/>
-        <p:cNvGrpSpPr/>
-        <p:nvPr/>
-      </p:nvGrpSpPr>
-      <p:grpSpPr>
-        <a:xfrm>
-          <a:off x="0" y="0"/>
-          <a:ext cx="0" cy="0"/>
-          <a:chOff x="0" y="0"/>
-          <a:chExt cx="0" cy="0"/>
-        </a:xfrm>
-      </p:grpSpPr>
-      <p:pic>
-        <p:nvPicPr>
-          <p:cNvPr id="5" name="Picture 4">
-            <a:extLst>
-              <a:ext uri="{FF2B5EF4-FFF2-40B4-BE49-F238E27FC236}">
-                <a16:creationId xmlns:a16="http://schemas.microsoft.com/office/drawing/2014/main" id="{3FFCD70D-0E90-4AD5-8543-141F6F1076F2}"/>
-              </a:ext>
-            </a:extLst>
-          </p:cNvPr>
-          <p:cNvPicPr>
-            <a:picLocks noChangeAspect="1"/>
-          </p:cNvPicPr>
-          <p:nvPr/>
-        </p:nvPicPr>
-        <p:blipFill>
-          <a:blip r:embed="rId2">
-            <a:extLst>
-              <a:ext uri="{28A0092B-C50C-407E-A947-70E740481C1C}">
-                <a14:useLocalDpi xmlns:a14="http://schemas.microsoft.com/office/drawing/2010/main" val="0"/>
-              </a:ext>
-            </a:extLst>
-          </a:blip>
-          <a:stretch>
-            <a:fillRect/>
-          </a:stretch>
-        </p:blipFill>
-        <p:spPr>
-          <a:xfrm>
-            <a:off x="0" y="0"/>
-            <a:ext cx="12192000" cy="6858000"/>
-          </a:xfrm>
-          <a:prstGeom prst="rect">
-            <a:avLst/>
-          </a:prstGeom>
-          <a:effectLst>
-            <a:softEdge rad="635000"/>
-          </a:effectLst>
-        </p:spPr>
-      </p:pic>
-      <p:sp>
-        <p:nvSpPr>
-          <p:cNvPr id="2" name="Title 1">
-            <a:extLst>
-              <a:ext uri="{FF2B5EF4-FFF2-40B4-BE49-F238E27FC236}">
-                <a16:creationId xmlns:a16="http://schemas.microsoft.com/office/drawing/2014/main" id="{315BB609-ADDD-4EB8-B976-E699EFFC69A0}"/>
-              </a:ext>
-            </a:extLst>
-          </p:cNvPr>
-          <p:cNvSpPr>
-            <a:spLocks noGrp="1"/>
-          </p:cNvSpPr>
-          <p:nvPr>
-            <p:ph type="title"/>
-          </p:nvPr>
-        </p:nvSpPr>
-        <p:spPr>
-          <a:xfrm>
-            <a:off x="838200" y="365125"/>
-            <a:ext cx="10515600" cy="985373"/>
-          </a:xfrm>
-        </p:spPr>
-        <p:txBody>
-          <a:bodyPr/>
-          <a:lstStyle/>
-          <a:p>
-            <a:pPr algn="ctr"/>
-            <a:r>
-              <a:rPr lang="en-US" dirty="0"/>
-              <a:t>China versus Taiwan</a:t>
-            </a:r>
-          </a:p>
-        </p:txBody>
-      </p:sp>
-      <p:sp>
-        <p:nvSpPr>
-          <p:cNvPr id="3" name="Content Placeholder 2">
-            <a:extLst>
-              <a:ext uri="{FF2B5EF4-FFF2-40B4-BE49-F238E27FC236}">
-                <a16:creationId xmlns:a16="http://schemas.microsoft.com/office/drawing/2014/main" id="{F734EFDC-0698-4612-A926-E38B8AD60F9D}"/>
-              </a:ext>
-            </a:extLst>
-          </p:cNvPr>
-          <p:cNvSpPr>
-            <a:spLocks noGrp="1"/>
-          </p:cNvSpPr>
-          <p:nvPr>
-            <p:ph idx="1"/>
-          </p:nvPr>
-        </p:nvSpPr>
-        <p:spPr>
-          <a:xfrm>
-            <a:off x="683455" y="1107207"/>
-            <a:ext cx="11119338" cy="4643585"/>
-          </a:xfrm>
-        </p:spPr>
-        <p:txBody>
-          <a:bodyPr/>
-          <a:lstStyle/>
-          <a:p>
-            <a:r>
-              <a:rPr lang="en-US" dirty="0">
-                <a:solidFill>
-                  <a:srgbClr val="00B050"/>
-                </a:solidFill>
-              </a:rPr>
-              <a:t>China is building up its military</a:t>
-            </a:r>
-          </a:p>
-          <a:p>
-            <a:pPr lvl="1"/>
-            <a:r>
-              <a:rPr lang="en-US" dirty="0">
-                <a:solidFill>
-                  <a:srgbClr val="00B050"/>
-                </a:solidFill>
-              </a:rPr>
-              <a:t>Even building up space weapons</a:t>
-            </a:r>
-          </a:p>
-          <a:p>
-            <a:r>
-              <a:rPr lang="en-US" dirty="0">
-                <a:solidFill>
-                  <a:srgbClr val="00B050"/>
-                </a:solidFill>
-              </a:rPr>
-              <a:t>And is regularly invading Taiwan’s airspace</a:t>
-            </a:r>
-          </a:p>
-          <a:p>
-            <a:r>
-              <a:rPr lang="en-US" dirty="0">
-                <a:solidFill>
-                  <a:srgbClr val="00B050"/>
-                </a:solidFill>
-              </a:rPr>
-              <a:t>Has also built artificial islands with military facilities just outside Taiwan’s maritime boundaries</a:t>
-            </a:r>
-          </a:p>
-          <a:p>
-            <a:r>
-              <a:rPr lang="en-US" dirty="0">
-                <a:solidFill>
-                  <a:srgbClr val="00B050"/>
-                </a:solidFill>
-              </a:rPr>
-              <a:t>If Taiwan were to declare independence from China, then China would automatically invade</a:t>
-            </a:r>
-          </a:p>
-          <a:p>
-            <a:r>
-              <a:rPr lang="en-US" dirty="0">
-                <a:solidFill>
-                  <a:srgbClr val="00B050"/>
-                </a:solidFill>
-              </a:rPr>
-              <a:t>However, Japan has promised to mobilize its </a:t>
-            </a:r>
-            <a:r>
-              <a:rPr lang="en-US" i="1" dirty="0">
-                <a:solidFill>
-                  <a:srgbClr val="00B050"/>
-                </a:solidFill>
-              </a:rPr>
-              <a:t>self-defense force</a:t>
-            </a:r>
-          </a:p>
-          <a:p>
-            <a:r>
-              <a:rPr lang="en-US" b="1" dirty="0">
-                <a:solidFill>
-                  <a:srgbClr val="00B050"/>
-                </a:solidFill>
-              </a:rPr>
-              <a:t>Q: What would you do if you were the prime minister of Taiwan?</a:t>
-            </a:r>
-          </a:p>
-          <a:p>
-            <a:endParaRPr lang="en-US" dirty="0">
-              <a:solidFill>
-                <a:srgbClr val="00B050"/>
-              </a:solidFill>
-            </a:endParaRPr>
-          </a:p>
-        </p:txBody>
-      </p:sp>
-    </p:spTree>
-    <p:extLst>
-      <p:ext uri="{BB962C8B-B14F-4D97-AF65-F5344CB8AC3E}">
-        <p14:creationId xmlns:p14="http://schemas.microsoft.com/office/powerpoint/2010/main" val="3607400398"/>
-      </p:ext>
-    </p:extLst>
-  </p:cSld>
-  <p:clrMapOvr>
-    <a:masterClrMapping/>
-  </p:clrMapOvr>
-  <p:timing>
-    <p:tnLst>
-      <p:par>
-        <p:cTn id="1" dur="indefinite" restart="never" nodeType="tmRoot">
-          <p:childTnLst>
-            <p:seq concurrent="1" nextAc="seek">
-              <p:cTn id="2" dur="indefinite" nodeType="mainSeq">
-                <p:childTnLst>
-                  <p:par>
-                    <p:cTn id="3" fill="hold">
-                      <p:stCondLst>
-                        <p:cond delay="indefinite"/>
-                      </p:stCondLst>
-                      <p:childTnLst>
-                        <p:par>
-                          <p:cTn id="4" fill="hold">
-                            <p:stCondLst>
-                              <p:cond delay="0"/>
-                            </p:stCondLst>
-                            <p:childTnLst>
-                              <p:par>
-                                <p:cTn id="5" presetID="1" presetClass="entr" presetSubtype="0" fill="hold" nodeType="clickEffect">
-                                  <p:stCondLst>
-                                    <p:cond delay="0"/>
-                                  </p:stCondLst>
-                                  <p:childTnLst>
-                                    <p:set>
-                                      <p:cBhvr>
-                                        <p:cTn id="6" dur="1" fill="hold">
-                                          <p:stCondLst>
-                                            <p:cond delay="0"/>
-                                          </p:stCondLst>
-                                        </p:cTn>
-                                        <p:tgtEl>
-                                          <p:spTgt spid="3">
-                                            <p:txEl>
-                                              <p:pRg st="6" end="6"/>
                                             </p:txEl>
                                           </p:spTgt>
                                         </p:tgtEl>
@@ -13352,6 +13014,301 @@
           <a:chExt cx="0" cy="0"/>
         </a:xfrm>
       </p:grpSpPr>
+      <p:pic>
+        <p:nvPicPr>
+          <p:cNvPr id="5" name="Picture 4">
+            <a:extLst>
+              <a:ext uri="{FF2B5EF4-FFF2-40B4-BE49-F238E27FC236}">
+                <a16:creationId xmlns:a16="http://schemas.microsoft.com/office/drawing/2014/main" id="{3FFCD70D-0E90-4AD5-8543-141F6F1076F2}"/>
+              </a:ext>
+            </a:extLst>
+          </p:cNvPr>
+          <p:cNvPicPr>
+            <a:picLocks noChangeAspect="1"/>
+          </p:cNvPicPr>
+          <p:nvPr/>
+        </p:nvPicPr>
+        <p:blipFill>
+          <a:blip r:embed="rId2">
+            <a:extLst>
+              <a:ext uri="{28A0092B-C50C-407E-A947-70E740481C1C}">
+                <a14:useLocalDpi xmlns:a14="http://schemas.microsoft.com/office/drawing/2010/main" val="0"/>
+              </a:ext>
+            </a:extLst>
+          </a:blip>
+          <a:stretch>
+            <a:fillRect/>
+          </a:stretch>
+        </p:blipFill>
+        <p:spPr>
+          <a:xfrm>
+            <a:off x="0" y="0"/>
+            <a:ext cx="12192000" cy="6858000"/>
+          </a:xfrm>
+          <a:prstGeom prst="rect">
+            <a:avLst/>
+          </a:prstGeom>
+          <a:effectLst>
+            <a:softEdge rad="635000"/>
+          </a:effectLst>
+        </p:spPr>
+      </p:pic>
+      <p:sp>
+        <p:nvSpPr>
+          <p:cNvPr id="2" name="Title 1">
+            <a:extLst>
+              <a:ext uri="{FF2B5EF4-FFF2-40B4-BE49-F238E27FC236}">
+                <a16:creationId xmlns:a16="http://schemas.microsoft.com/office/drawing/2014/main" id="{315BB609-ADDD-4EB8-B976-E699EFFC69A0}"/>
+              </a:ext>
+            </a:extLst>
+          </p:cNvPr>
+          <p:cNvSpPr>
+            <a:spLocks noGrp="1"/>
+          </p:cNvSpPr>
+          <p:nvPr>
+            <p:ph type="title"/>
+          </p:nvPr>
+        </p:nvSpPr>
+        <p:spPr>
+          <a:xfrm>
+            <a:off x="838200" y="365125"/>
+            <a:ext cx="10515600" cy="985373"/>
+          </a:xfrm>
+        </p:spPr>
+        <p:txBody>
+          <a:bodyPr/>
+          <a:lstStyle/>
+          <a:p>
+            <a:pPr algn="ctr"/>
+            <a:r>
+              <a:rPr lang="en-US" dirty="0"/>
+              <a:t>China versus Taiwan</a:t>
+            </a:r>
+          </a:p>
+        </p:txBody>
+      </p:sp>
+      <p:sp>
+        <p:nvSpPr>
+          <p:cNvPr id="3" name="Content Placeholder 2">
+            <a:extLst>
+              <a:ext uri="{FF2B5EF4-FFF2-40B4-BE49-F238E27FC236}">
+                <a16:creationId xmlns:a16="http://schemas.microsoft.com/office/drawing/2014/main" id="{F734EFDC-0698-4612-A926-E38B8AD60F9D}"/>
+              </a:ext>
+            </a:extLst>
+          </p:cNvPr>
+          <p:cNvSpPr>
+            <a:spLocks noGrp="1"/>
+          </p:cNvSpPr>
+          <p:nvPr>
+            <p:ph idx="1"/>
+          </p:nvPr>
+        </p:nvSpPr>
+        <p:spPr>
+          <a:xfrm>
+            <a:off x="683455" y="1107207"/>
+            <a:ext cx="11119338" cy="4643585"/>
+          </a:xfrm>
+        </p:spPr>
+        <p:txBody>
+          <a:bodyPr/>
+          <a:lstStyle/>
+          <a:p>
+            <a:r>
+              <a:rPr lang="en-US" dirty="0">
+                <a:solidFill>
+                  <a:srgbClr val="00B050"/>
+                </a:solidFill>
+              </a:rPr>
+              <a:t>China is building up its military</a:t>
+            </a:r>
+          </a:p>
+          <a:p>
+            <a:pPr lvl="1"/>
+            <a:r>
+              <a:rPr lang="en-US" dirty="0">
+                <a:solidFill>
+                  <a:srgbClr val="00B050"/>
+                </a:solidFill>
+              </a:rPr>
+              <a:t>Even building up space weapons</a:t>
+            </a:r>
+          </a:p>
+          <a:p>
+            <a:r>
+              <a:rPr lang="en-US" dirty="0">
+                <a:solidFill>
+                  <a:srgbClr val="00B050"/>
+                </a:solidFill>
+              </a:rPr>
+              <a:t>And is regularly invading Taiwan’s airspace</a:t>
+            </a:r>
+          </a:p>
+          <a:p>
+            <a:r>
+              <a:rPr lang="en-US" dirty="0">
+                <a:solidFill>
+                  <a:srgbClr val="00B050"/>
+                </a:solidFill>
+              </a:rPr>
+              <a:t>Has also built artificial islands with military facilities just outside Taiwan’s maritime boundaries</a:t>
+            </a:r>
+          </a:p>
+          <a:p>
+            <a:r>
+              <a:rPr lang="en-US" dirty="0">
+                <a:solidFill>
+                  <a:srgbClr val="00B050"/>
+                </a:solidFill>
+              </a:rPr>
+              <a:t>If Taiwan were to declare independence from China, then China would automatically invade</a:t>
+            </a:r>
+          </a:p>
+          <a:p>
+            <a:r>
+              <a:rPr lang="en-US" dirty="0">
+                <a:solidFill>
+                  <a:srgbClr val="00B050"/>
+                </a:solidFill>
+              </a:rPr>
+              <a:t>However, Japan has promised to mobilize its </a:t>
+            </a:r>
+            <a:r>
+              <a:rPr lang="en-US" i="1" dirty="0">
+                <a:solidFill>
+                  <a:srgbClr val="00B050"/>
+                </a:solidFill>
+              </a:rPr>
+              <a:t>self-defense force</a:t>
+            </a:r>
+          </a:p>
+          <a:p>
+            <a:r>
+              <a:rPr lang="en-US" b="1" dirty="0">
+                <a:solidFill>
+                  <a:srgbClr val="00B050"/>
+                </a:solidFill>
+              </a:rPr>
+              <a:t>Q: What would you do if you were the prime minister of Taiwan?</a:t>
+            </a:r>
+          </a:p>
+          <a:p>
+            <a:endParaRPr lang="en-US" dirty="0">
+              <a:solidFill>
+                <a:srgbClr val="00B050"/>
+              </a:solidFill>
+            </a:endParaRPr>
+          </a:p>
+        </p:txBody>
+      </p:sp>
+    </p:spTree>
+    <p:extLst>
+      <p:ext uri="{BB962C8B-B14F-4D97-AF65-F5344CB8AC3E}">
+        <p14:creationId xmlns:p14="http://schemas.microsoft.com/office/powerpoint/2010/main" val="3607400398"/>
+      </p:ext>
+    </p:extLst>
+  </p:cSld>
+  <p:clrMapOvr>
+    <a:masterClrMapping/>
+  </p:clrMapOvr>
+  <p:timing>
+    <p:tnLst>
+      <p:par>
+        <p:cTn id="1" dur="indefinite" restart="never" nodeType="tmRoot">
+          <p:childTnLst>
+            <p:seq concurrent="1" nextAc="seek">
+              <p:cTn id="2" dur="indefinite" nodeType="mainSeq">
+                <p:childTnLst>
+                  <p:par>
+                    <p:cTn id="3" fill="hold">
+                      <p:stCondLst>
+                        <p:cond delay="indefinite"/>
+                      </p:stCondLst>
+                      <p:childTnLst>
+                        <p:par>
+                          <p:cTn id="4" fill="hold">
+                            <p:stCondLst>
+                              <p:cond delay="0"/>
+                            </p:stCondLst>
+                            <p:childTnLst>
+                              <p:par>
+                                <p:cTn id="5" presetID="1" presetClass="entr" presetSubtype="0" fill="hold" nodeType="clickEffect">
+                                  <p:stCondLst>
+                                    <p:cond delay="0"/>
+                                  </p:stCondLst>
+                                  <p:childTnLst>
+                                    <p:set>
+                                      <p:cBhvr>
+                                        <p:cTn id="6" dur="1" fill="hold">
+                                          <p:stCondLst>
+                                            <p:cond delay="0"/>
+                                          </p:stCondLst>
+                                        </p:cTn>
+                                        <p:tgtEl>
+                                          <p:spTgt spid="3">
+                                            <p:txEl>
+                                              <p:pRg st="6" end="6"/>
+                                            </p:txEl>
+                                          </p:spTgt>
+                                        </p:tgtEl>
+                                        <p:attrNameLst>
+                                          <p:attrName>style.visibility</p:attrName>
+                                        </p:attrNameLst>
+                                      </p:cBhvr>
+                                      <p:to>
+                                        <p:strVal val="visible"/>
+                                      </p:to>
+                                    </p:set>
+                                  </p:childTnLst>
+                                </p:cTn>
+                              </p:par>
+                            </p:childTnLst>
+                          </p:cTn>
+                        </p:par>
+                      </p:childTnLst>
+                    </p:cTn>
+                  </p:par>
+                </p:childTnLst>
+              </p:cTn>
+              <p:prevCondLst>
+                <p:cond evt="onPrev" delay="0">
+                  <p:tgtEl>
+                    <p:sldTgt/>
+                  </p:tgtEl>
+                </p:cond>
+              </p:prevCondLst>
+              <p:nextCondLst>
+                <p:cond evt="onNext" delay="0">
+                  <p:tgtEl>
+                    <p:sldTgt/>
+                  </p:tgtEl>
+                </p:cond>
+              </p:nextCondLst>
+            </p:seq>
+          </p:childTnLst>
+        </p:cTn>
+      </p:par>
+    </p:tnLst>
+  </p:timing>
+</p:sld>
+</file>
+
+<file path=ppt/slides/slide41.xml><?xml version="1.0" encoding="utf-8"?>
+<p:sld xmlns:a="http://schemas.openxmlformats.org/drawingml/2006/main" xmlns:r="http://schemas.openxmlformats.org/officeDocument/2006/relationships" xmlns:p="http://schemas.openxmlformats.org/presentationml/2006/main">
+  <p:cSld>
+    <p:spTree>
+      <p:nvGrpSpPr>
+        <p:cNvPr id="1" name=""/>
+        <p:cNvGrpSpPr/>
+        <p:nvPr/>
+      </p:nvGrpSpPr>
+      <p:grpSpPr>
+        <a:xfrm>
+          <a:off x="0" y="0"/>
+          <a:ext cx="0" cy="0"/>
+          <a:chOff x="0" y="0"/>
+          <a:chExt cx="0" cy="0"/>
+        </a:xfrm>
+      </p:grpSpPr>
       <p:sp>
         <p:nvSpPr>
           <p:cNvPr id="2" name="Title 1">
@@ -13400,7 +13357,7 @@
         <p:spPr/>
         <p:txBody>
           <a:bodyPr>
-            <a:normAutofit fontScale="92500"/>
+            <a:normAutofit lnSpcReduction="10000"/>
           </a:bodyPr>
           <a:lstStyle/>
           <a:p>
@@ -13412,14 +13369,7 @@
           <a:p>
             <a:r>
               <a:rPr lang="en-US" dirty="0"/>
-              <a:t>It violates the sixth commandment because you are in effect careless with your life</a:t>
-            </a:r>
-          </a:p>
-          <a:p>
-            <a:pPr lvl="1"/>
-            <a:r>
-              <a:rPr lang="en-US" dirty="0"/>
-              <a:t>He that loveth danger shall perish therein (Ecclesiasticus 3:26)</a:t>
+              <a:t>It violates the sixth commandment because you are careless with your life</a:t>
             </a:r>
           </a:p>
           <a:p>
@@ -13603,55 +13553,6 @@
                       </p:childTnLst>
                     </p:cTn>
                   </p:par>
-                  <p:par>
-                    <p:cTn id="15" fill="hold">
-                      <p:stCondLst>
-                        <p:cond delay="indefinite"/>
-                      </p:stCondLst>
-                      <p:childTnLst>
-                        <p:par>
-                          <p:cTn id="16" fill="hold">
-                            <p:stCondLst>
-                              <p:cond delay="0"/>
-                            </p:stCondLst>
-                            <p:childTnLst>
-                              <p:par>
-                                <p:cTn id="17" presetID="1" presetClass="entr" presetSubtype="0" fill="hold" nodeType="clickEffect">
-                                  <p:stCondLst>
-                                    <p:cond delay="0"/>
-                                  </p:stCondLst>
-                                  <p:childTnLst>
-                                    <p:set>
-                                      <p:cBhvr>
-                                        <p:cTn id="18" dur="1" fill="hold">
-                                          <p:stCondLst>
-                                            <p:cond delay="0"/>
-                                          </p:stCondLst>
-                                        </p:cTn>
-                                        <p:tgtEl>
-                                          <p:spTgt spid="3">
-                                            <p:txEl>
-                                              <p:pRg st="3" end="3"/>
-                                            </p:txEl>
-                                          </p:spTgt>
-                                        </p:tgtEl>
-                                        <p:attrNameLst>
-                                          <p:attrName>style.visibility</p:attrName>
-                                        </p:attrNameLst>
-                                      </p:cBhvr>
-                                      <p:to>
-                                        <p:strVal val="visible"/>
-                                      </p:to>
-                                    </p:set>
-                                  </p:childTnLst>
-                                </p:cTn>
-                              </p:par>
-                            </p:childTnLst>
-                          </p:cTn>
-                        </p:par>
-                      </p:childTnLst>
-                    </p:cTn>
-                  </p:par>
                 </p:childTnLst>
               </p:cTn>
               <p:prevCondLst>
@@ -13677,7 +13578,7 @@
 </p:sld>
 </file>
 
-<file path=ppt/slides/slide41.xml><?xml version="1.0" encoding="utf-8"?>
+<file path=ppt/slides/slide42.xml><?xml version="1.0" encoding="utf-8"?>
 <p:sld xmlns:a="http://schemas.openxmlformats.org/drawingml/2006/main" xmlns:r="http://schemas.openxmlformats.org/officeDocument/2006/relationships" xmlns:p="http://schemas.openxmlformats.org/presentationml/2006/main">
   <p:cSld>
     <p:spTree>
@@ -13948,7 +13849,7 @@
 </p:sld>
 </file>
 
-<file path=ppt/slides/slide42.xml><?xml version="1.0" encoding="utf-8"?>
+<file path=ppt/slides/slide43.xml><?xml version="1.0" encoding="utf-8"?>
 <p:sld xmlns:a="http://schemas.openxmlformats.org/drawingml/2006/main" xmlns:r="http://schemas.openxmlformats.org/officeDocument/2006/relationships" xmlns:p="http://schemas.openxmlformats.org/presentationml/2006/main">
   <p:cSld>
     <p:spTree>
@@ -14089,7 +13990,7 @@
 </p:sld>
 </file>
 
-<file path=ppt/slides/slide43.xml><?xml version="1.0" encoding="utf-8"?>
+<file path=ppt/slides/slide44.xml><?xml version="1.0" encoding="utf-8"?>
 <p:sld xmlns:a="http://schemas.openxmlformats.org/drawingml/2006/main" xmlns:r="http://schemas.openxmlformats.org/officeDocument/2006/relationships" xmlns:p="http://schemas.openxmlformats.org/presentationml/2006/main">
   <p:cSld>
     <p:spTree>
@@ -14456,7 +14357,7 @@
 </p:sld>
 </file>
 
-<file path=ppt/slides/slide44.xml><?xml version="1.0" encoding="utf-8"?>
+<file path=ppt/slides/slide45.xml><?xml version="1.0" encoding="utf-8"?>
 <p:sld xmlns:a="http://schemas.openxmlformats.org/drawingml/2006/main" xmlns:r="http://schemas.openxmlformats.org/officeDocument/2006/relationships" xmlns:p="http://schemas.openxmlformats.org/presentationml/2006/main">
   <p:cSld>
     <p:spTree>
@@ -14799,7 +14700,7 @@
 </p:sld>
 </file>
 
-<file path=ppt/slides/slide45.xml><?xml version="1.0" encoding="utf-8"?>
+<file path=ppt/slides/slide46.xml><?xml version="1.0" encoding="utf-8"?>
 <p:sld xmlns:a="http://schemas.openxmlformats.org/drawingml/2006/main" xmlns:r="http://schemas.openxmlformats.org/officeDocument/2006/relationships" xmlns:p="http://schemas.openxmlformats.org/presentationml/2006/main">
   <p:cSld>
     <p:spTree>
@@ -15535,7 +15436,7 @@
 </p:sld>
 </file>
 
-<file path=ppt/slides/slide46.xml><?xml version="1.0" encoding="utf-8"?>
+<file path=ppt/slides/slide47.xml><?xml version="1.0" encoding="utf-8"?>
 <p:sld xmlns:a="http://schemas.openxmlformats.org/drawingml/2006/main" xmlns:r="http://schemas.openxmlformats.org/officeDocument/2006/relationships" xmlns:p="http://schemas.openxmlformats.org/presentationml/2006/main">
   <p:cSld>
     <p:spTree>
@@ -15658,7 +15559,7 @@
 </p:sld>
 </file>
 
-<file path=ppt/slides/slide47.xml><?xml version="1.0" encoding="utf-8"?>
+<file path=ppt/slides/slide48.xml><?xml version="1.0" encoding="utf-8"?>
 <p:sld xmlns:a="http://schemas.openxmlformats.org/drawingml/2006/main" xmlns:r="http://schemas.openxmlformats.org/officeDocument/2006/relationships" xmlns:p="http://schemas.openxmlformats.org/presentationml/2006/main">
   <p:cSld>
     <p:spTree>
